--- a/Loan_App.pptx
+++ b/Loan_App.pptx
@@ -120,6 +120,11 @@
       </a:defRPr>
     </a:lvl9pPr>
   </p:defaultTextStyle>
+  <p:extLst>
+    <p:ext uri="{EFAFB233-063F-42B5-8137-9DF3F51BA10A}">
+      <p15:sldGuideLst xmlns:p15="http://schemas.microsoft.com/office/powerpoint/2012/main"/>
+    </p:ext>
+  </p:extLst>
 </p:presentation>
 </file>
 
@@ -1623,7 +1628,7 @@
 <dgm:dataModel xmlns:dgm="http://schemas.openxmlformats.org/drawingml/2006/diagram" xmlns:a="http://schemas.openxmlformats.org/drawingml/2006/main">
   <dgm:ptLst>
     <dgm:pt modelId="{BC72F168-8872-45A1-8AAF-3158ED713FBC}" type="doc">
-      <dgm:prSet loTypeId="urn:microsoft.com/office/officeart/2008/layout/LinedList" loCatId="list" qsTypeId="urn:microsoft.com/office/officeart/2005/8/quickstyle/simple4" qsCatId="simple" csTypeId="urn:microsoft.com/office/officeart/2005/8/colors/accent2_2" csCatId="accent2"/>
+      <dgm:prSet loTypeId="urn:microsoft.com/office/officeart/2008/layout/LinedList" loCatId="list" qsTypeId="urn:microsoft.com/office/officeart/2005/8/quickstyle/simple4" qsCatId="simple" csTypeId="urn:microsoft.com/office/officeart/2005/8/colors/accent2_2" csCatId="accent2" phldr="1"/>
       <dgm:spPr/>
       <dgm:t>
         <a:bodyPr/>
@@ -1677,7 +1682,7 @@
         <a:lstStyle/>
         <a:p>
           <a:r>
-            <a:rPr lang="en-US"/>
+            <a:rPr lang="en-US" dirty="0"/>
             <a:t>Summary</a:t>
           </a:r>
         </a:p>
@@ -1713,8 +1718,8 @@
         <a:lstStyle/>
         <a:p>
           <a:r>
-            <a:rPr lang="en-US"/>
-            <a:t>Data</a:t>
+            <a:rPr lang="en-US" dirty="0"/>
+            <a:t>Data -</a:t>
           </a:r>
         </a:p>
       </dgm:t>
@@ -1849,6 +1854,42 @@
         </a:p>
       </dgm:t>
     </dgm:pt>
+    <dgm:pt modelId="{A742A782-F811-AE4A-8514-E8C15616EA37}">
+      <dgm:prSet/>
+      <dgm:spPr/>
+      <dgm:t>
+        <a:bodyPr/>
+        <a:lstStyle/>
+        <a:p>
+          <a:r>
+            <a:rPr lang="en-US" dirty="0"/>
+            <a:t>Overview, Manipulation, Feature Selection, Feature Importance</a:t>
+          </a:r>
+        </a:p>
+      </dgm:t>
+    </dgm:pt>
+    <dgm:pt modelId="{B923FE7B-350F-8C49-8EF1-C5775212C0BD}" type="parTrans" cxnId="{80CB4475-432C-414C-A44E-15AE449CCB19}">
+      <dgm:prSet/>
+      <dgm:spPr/>
+      <dgm:t>
+        <a:bodyPr/>
+        <a:lstStyle/>
+        <a:p>
+          <a:endParaRPr lang="en-US"/>
+        </a:p>
+      </dgm:t>
+    </dgm:pt>
+    <dgm:pt modelId="{7AE12A08-CA7F-2246-AC87-78EA3F6493F8}" type="sibTrans" cxnId="{80CB4475-432C-414C-A44E-15AE449CCB19}">
+      <dgm:prSet/>
+      <dgm:spPr/>
+      <dgm:t>
+        <a:bodyPr/>
+        <a:lstStyle/>
+        <a:p>
+          <a:endParaRPr lang="en-US"/>
+        </a:p>
+      </dgm:t>
+    </dgm:pt>
     <dgm:pt modelId="{F2A35F5C-D629-F34B-9050-C981ECCC71F9}" type="pres">
       <dgm:prSet presAssocID="{BC72F168-8872-45A1-8AAF-3158ED713FBC}" presName="vert0" presStyleCnt="0">
         <dgm:presLayoutVars>
@@ -1868,7 +1909,7 @@
       <dgm:spPr/>
     </dgm:pt>
     <dgm:pt modelId="{8A2BF7CB-C25A-8B4F-B211-6A4B60D53E59}" type="pres">
-      <dgm:prSet presAssocID="{82E54ED8-19BB-4C55-A3F5-0D6820A02B0C}" presName="tx1" presStyleLbl="revTx" presStyleIdx="0" presStyleCnt="6"/>
+      <dgm:prSet presAssocID="{82E54ED8-19BB-4C55-A3F5-0D6820A02B0C}" presName="tx1" presStyleLbl="revTx" presStyleIdx="0" presStyleCnt="7" custScaleX="299277"/>
       <dgm:spPr/>
     </dgm:pt>
     <dgm:pt modelId="{75F3171A-CB2E-5A4C-9140-195C359E536B}" type="pres">
@@ -1884,7 +1925,7 @@
       <dgm:spPr/>
     </dgm:pt>
     <dgm:pt modelId="{6E34C315-F2FB-F346-BBFA-2FFB8DA1C12F}" type="pres">
-      <dgm:prSet presAssocID="{C0350612-A9D3-4588-A04D-1E98C8B850FF}" presName="tx1" presStyleLbl="revTx" presStyleIdx="1" presStyleCnt="6"/>
+      <dgm:prSet presAssocID="{C0350612-A9D3-4588-A04D-1E98C8B850FF}" presName="tx1" presStyleLbl="revTx" presStyleIdx="1" presStyleCnt="7"/>
       <dgm:spPr/>
     </dgm:pt>
     <dgm:pt modelId="{006EB3A3-68DD-ED47-AAF0-36309139AD00}" type="pres">
@@ -1900,11 +1941,39 @@
       <dgm:spPr/>
     </dgm:pt>
     <dgm:pt modelId="{49EF1B3E-46CC-3A4B-98E2-AF4B455C912C}" type="pres">
-      <dgm:prSet presAssocID="{45E69A1E-3364-4855-AB44-AE1B1BD94F43}" presName="tx1" presStyleLbl="revTx" presStyleIdx="2" presStyleCnt="6"/>
+      <dgm:prSet presAssocID="{45E69A1E-3364-4855-AB44-AE1B1BD94F43}" presName="tx1" presStyleLbl="revTx" presStyleIdx="2" presStyleCnt="7"/>
       <dgm:spPr/>
     </dgm:pt>
     <dgm:pt modelId="{0840E482-8244-144B-830C-35CCADB435BF}" type="pres">
       <dgm:prSet presAssocID="{45E69A1E-3364-4855-AB44-AE1B1BD94F43}" presName="vert1" presStyleCnt="0"/>
+      <dgm:spPr/>
+    </dgm:pt>
+    <dgm:pt modelId="{A69CF170-B3A2-6A45-8AC8-91EEBC56167A}" type="pres">
+      <dgm:prSet presAssocID="{A742A782-F811-AE4A-8514-E8C15616EA37}" presName="vertSpace2a" presStyleCnt="0"/>
+      <dgm:spPr/>
+    </dgm:pt>
+    <dgm:pt modelId="{7F6C1885-FF86-C24C-905B-0CA8FF8A0B40}" type="pres">
+      <dgm:prSet presAssocID="{A742A782-F811-AE4A-8514-E8C15616EA37}" presName="horz2" presStyleCnt="0"/>
+      <dgm:spPr/>
+    </dgm:pt>
+    <dgm:pt modelId="{0B798FB2-E0C3-A54B-B78B-408C63FF40DC}" type="pres">
+      <dgm:prSet presAssocID="{A742A782-F811-AE4A-8514-E8C15616EA37}" presName="horzSpace2" presStyleCnt="0"/>
+      <dgm:spPr/>
+    </dgm:pt>
+    <dgm:pt modelId="{55D36442-7AC8-8D44-B48B-679FE33B1E41}" type="pres">
+      <dgm:prSet presAssocID="{A742A782-F811-AE4A-8514-E8C15616EA37}" presName="tx2" presStyleLbl="revTx" presStyleIdx="3" presStyleCnt="7"/>
+      <dgm:spPr/>
+    </dgm:pt>
+    <dgm:pt modelId="{355B9CCD-36AB-DD46-A56A-E7EE70A9EEF7}" type="pres">
+      <dgm:prSet presAssocID="{A742A782-F811-AE4A-8514-E8C15616EA37}" presName="vert2" presStyleCnt="0"/>
+      <dgm:spPr/>
+    </dgm:pt>
+    <dgm:pt modelId="{E5327564-D037-5D43-9EEC-15705A105BB1}" type="pres">
+      <dgm:prSet presAssocID="{A742A782-F811-AE4A-8514-E8C15616EA37}" presName="thinLine2b" presStyleLbl="callout" presStyleIdx="0" presStyleCnt="1"/>
+      <dgm:spPr/>
+    </dgm:pt>
+    <dgm:pt modelId="{B9641E0D-E056-B24F-89CB-70FCDF271CF4}" type="pres">
+      <dgm:prSet presAssocID="{A742A782-F811-AE4A-8514-E8C15616EA37}" presName="vertSpace2b" presStyleCnt="0"/>
       <dgm:spPr/>
     </dgm:pt>
     <dgm:pt modelId="{824A1AAF-8292-0A4A-9F7B-528301D7115E}" type="pres">
@@ -1916,7 +1985,7 @@
       <dgm:spPr/>
     </dgm:pt>
     <dgm:pt modelId="{F7C01D9E-702D-784C-BC9B-FD396316A8F6}" type="pres">
-      <dgm:prSet presAssocID="{7DEBCF3C-9749-41D2-8721-15BF739F5607}" presName="tx1" presStyleLbl="revTx" presStyleIdx="3" presStyleCnt="6"/>
+      <dgm:prSet presAssocID="{7DEBCF3C-9749-41D2-8721-15BF739F5607}" presName="tx1" presStyleLbl="revTx" presStyleIdx="4" presStyleCnt="7"/>
       <dgm:spPr/>
     </dgm:pt>
     <dgm:pt modelId="{AE3A4A78-8058-AF4E-BB97-5CDFEE15EEC0}" type="pres">
@@ -1932,7 +2001,7 @@
       <dgm:spPr/>
     </dgm:pt>
     <dgm:pt modelId="{4B983A6B-B614-7348-BC11-ACE4FE31970D}" type="pres">
-      <dgm:prSet presAssocID="{BE40F1FC-8BF7-4248-AA7A-6CFAD04603DD}" presName="tx1" presStyleLbl="revTx" presStyleIdx="4" presStyleCnt="6"/>
+      <dgm:prSet presAssocID="{BE40F1FC-8BF7-4248-AA7A-6CFAD04603DD}" presName="tx1" presStyleLbl="revTx" presStyleIdx="5" presStyleCnt="7"/>
       <dgm:spPr/>
     </dgm:pt>
     <dgm:pt modelId="{7C041071-B360-CC45-8EFC-2B040531CA98}" type="pres">
@@ -1948,7 +2017,7 @@
       <dgm:spPr/>
     </dgm:pt>
     <dgm:pt modelId="{89B77436-103A-464D-B974-59B8259548B9}" type="pres">
-      <dgm:prSet presAssocID="{5E5956B9-57CC-43EC-AE69-DAD24282660C}" presName="tx1" presStyleLbl="revTx" presStyleIdx="5" presStyleCnt="6"/>
+      <dgm:prSet presAssocID="{5E5956B9-57CC-43EC-AE69-DAD24282660C}" presName="tx1" presStyleLbl="revTx" presStyleIdx="6" presStyleCnt="7"/>
       <dgm:spPr/>
     </dgm:pt>
     <dgm:pt modelId="{E617BC2F-426F-EE49-A1A2-526A38685747}" type="pres">
@@ -1961,9 +2030,11 @@
     <dgm:cxn modelId="{31661130-B72A-0C46-9F08-C2EEC2CBF1BA}" type="presOf" srcId="{82E54ED8-19BB-4C55-A3F5-0D6820A02B0C}" destId="{8A2BF7CB-C25A-8B4F-B211-6A4B60D53E59}" srcOrd="0" destOrd="0" presId="urn:microsoft.com/office/officeart/2008/layout/LinedList"/>
     <dgm:cxn modelId="{83B87251-340A-459D-9F29-CD2856C4FB97}" srcId="{BC72F168-8872-45A1-8AAF-3158ED713FBC}" destId="{BE40F1FC-8BF7-4248-AA7A-6CFAD04603DD}" srcOrd="4" destOrd="0" parTransId="{E432068E-44C6-4CB0-8D88-7E41337C5BAD}" sibTransId="{5B8E75FB-004C-4E0E-B22E-BF6865D0B8BD}"/>
     <dgm:cxn modelId="{CD8CA16F-117B-4A75-9BAE-581A4833D728}" srcId="{BC72F168-8872-45A1-8AAF-3158ED713FBC}" destId="{7DEBCF3C-9749-41D2-8721-15BF739F5607}" srcOrd="3" destOrd="0" parTransId="{7EADD517-4840-4ECE-B0EE-5A2D6FFACA59}" sibTransId="{53696F31-D819-431B-A1E9-466570F46881}"/>
+    <dgm:cxn modelId="{80CB4475-432C-414C-A44E-15AE449CCB19}" srcId="{45E69A1E-3364-4855-AB44-AE1B1BD94F43}" destId="{A742A782-F811-AE4A-8514-E8C15616EA37}" srcOrd="0" destOrd="0" parTransId="{B923FE7B-350F-8C49-8EF1-C5775212C0BD}" sibTransId="{7AE12A08-CA7F-2246-AC87-78EA3F6493F8}"/>
     <dgm:cxn modelId="{55F0CB7C-D60C-4349-89D0-73A7251CE806}" srcId="{BC72F168-8872-45A1-8AAF-3158ED713FBC}" destId="{82E54ED8-19BB-4C55-A3F5-0D6820A02B0C}" srcOrd="0" destOrd="0" parTransId="{46443E6B-7CBF-42E4-87CC-0AE27384AED3}" sibTransId="{A8EF75EF-0917-4C03-A400-C2685FC85587}"/>
     <dgm:cxn modelId="{F8E2AB90-B1B9-BD4C-9CC0-3FC394FFCE6B}" type="presOf" srcId="{5E5956B9-57CC-43EC-AE69-DAD24282660C}" destId="{89B77436-103A-464D-B974-59B8259548B9}" srcOrd="0" destOrd="0" presId="urn:microsoft.com/office/officeart/2008/layout/LinedList"/>
     <dgm:cxn modelId="{7C7759B9-904D-3343-A2A1-4A34D37E2C58}" type="presOf" srcId="{45E69A1E-3364-4855-AB44-AE1B1BD94F43}" destId="{49EF1B3E-46CC-3A4B-98E2-AF4B455C912C}" srcOrd="0" destOrd="0" presId="urn:microsoft.com/office/officeart/2008/layout/LinedList"/>
+    <dgm:cxn modelId="{785ED4BF-22E5-C440-9C85-29152B13756D}" type="presOf" srcId="{A742A782-F811-AE4A-8514-E8C15616EA37}" destId="{55D36442-7AC8-8D44-B48B-679FE33B1E41}" srcOrd="0" destOrd="0" presId="urn:microsoft.com/office/officeart/2008/layout/LinedList"/>
     <dgm:cxn modelId="{F7DFBDDA-FEB7-F74F-9DE5-3F9442705ACB}" type="presOf" srcId="{7DEBCF3C-9749-41D2-8721-15BF739F5607}" destId="{F7C01D9E-702D-784C-BC9B-FD396316A8F6}" srcOrd="0" destOrd="0" presId="urn:microsoft.com/office/officeart/2008/layout/LinedList"/>
     <dgm:cxn modelId="{EECFC1DC-9602-774E-AFFC-1C4D32C838AE}" type="presOf" srcId="{C0350612-A9D3-4588-A04D-1E98C8B850FF}" destId="{6E34C315-F2FB-F346-BBFA-2FFB8DA1C12F}" srcOrd="0" destOrd="0" presId="urn:microsoft.com/office/officeart/2008/layout/LinedList"/>
     <dgm:cxn modelId="{748689DD-072A-4E31-984E-ECE69F542963}" srcId="{BC72F168-8872-45A1-8AAF-3158ED713FBC}" destId="{5E5956B9-57CC-43EC-AE69-DAD24282660C}" srcOrd="5" destOrd="0" parTransId="{102DD32B-BE1C-41D6-8129-E376B0A0501C}" sibTransId="{139B8780-8C73-4365-93D9-72C8F8BF93B0}"/>
@@ -1982,6 +2053,13 @@
     <dgm:cxn modelId="{6162F214-287B-9E44-B1C5-A938430E333A}" type="presParOf" srcId="{F2A35F5C-D629-F34B-9050-C981ECCC71F9}" destId="{81C02B60-C505-B342-8442-3A44BB73D5CB}" srcOrd="5" destOrd="0" presId="urn:microsoft.com/office/officeart/2008/layout/LinedList"/>
     <dgm:cxn modelId="{BDA4BAF4-A29D-5843-94F7-C2AE49FDB55C}" type="presParOf" srcId="{81C02B60-C505-B342-8442-3A44BB73D5CB}" destId="{49EF1B3E-46CC-3A4B-98E2-AF4B455C912C}" srcOrd="0" destOrd="0" presId="urn:microsoft.com/office/officeart/2008/layout/LinedList"/>
     <dgm:cxn modelId="{B86FEF4E-0AF9-8A46-9D55-E47DCC547C2B}" type="presParOf" srcId="{81C02B60-C505-B342-8442-3A44BB73D5CB}" destId="{0840E482-8244-144B-830C-35CCADB435BF}" srcOrd="1" destOrd="0" presId="urn:microsoft.com/office/officeart/2008/layout/LinedList"/>
+    <dgm:cxn modelId="{15FBF315-2897-FE42-AFDB-BFE28F6EB9F8}" type="presParOf" srcId="{0840E482-8244-144B-830C-35CCADB435BF}" destId="{A69CF170-B3A2-6A45-8AC8-91EEBC56167A}" srcOrd="0" destOrd="0" presId="urn:microsoft.com/office/officeart/2008/layout/LinedList"/>
+    <dgm:cxn modelId="{940B9C12-107D-194F-A6A2-73C555718742}" type="presParOf" srcId="{0840E482-8244-144B-830C-35CCADB435BF}" destId="{7F6C1885-FF86-C24C-905B-0CA8FF8A0B40}" srcOrd="1" destOrd="0" presId="urn:microsoft.com/office/officeart/2008/layout/LinedList"/>
+    <dgm:cxn modelId="{9837F2B0-4EA6-3C4E-B99B-E7A7312A3334}" type="presParOf" srcId="{7F6C1885-FF86-C24C-905B-0CA8FF8A0B40}" destId="{0B798FB2-E0C3-A54B-B78B-408C63FF40DC}" srcOrd="0" destOrd="0" presId="urn:microsoft.com/office/officeart/2008/layout/LinedList"/>
+    <dgm:cxn modelId="{7F65CE13-7A19-AF4F-A944-8E308ABA1CE2}" type="presParOf" srcId="{7F6C1885-FF86-C24C-905B-0CA8FF8A0B40}" destId="{55D36442-7AC8-8D44-B48B-679FE33B1E41}" srcOrd="1" destOrd="0" presId="urn:microsoft.com/office/officeart/2008/layout/LinedList"/>
+    <dgm:cxn modelId="{5687B713-6DE5-314E-BF13-A40FA522B38C}" type="presParOf" srcId="{7F6C1885-FF86-C24C-905B-0CA8FF8A0B40}" destId="{355B9CCD-36AB-DD46-A56A-E7EE70A9EEF7}" srcOrd="2" destOrd="0" presId="urn:microsoft.com/office/officeart/2008/layout/LinedList"/>
+    <dgm:cxn modelId="{47193600-C57C-244F-BC2E-1E04B3EE967C}" type="presParOf" srcId="{0840E482-8244-144B-830C-35CCADB435BF}" destId="{E5327564-D037-5D43-9EEC-15705A105BB1}" srcOrd="2" destOrd="0" presId="urn:microsoft.com/office/officeart/2008/layout/LinedList"/>
+    <dgm:cxn modelId="{078B2E7C-8B07-2D43-90A3-256CC990F08E}" type="presParOf" srcId="{0840E482-8244-144B-830C-35CCADB435BF}" destId="{B9641E0D-E056-B24F-89CB-70FCDF271CF4}" srcOrd="3" destOrd="0" presId="urn:microsoft.com/office/officeart/2008/layout/LinedList"/>
     <dgm:cxn modelId="{FD08A0A3-27C1-1A4D-A39A-9892A6F4E88C}" type="presParOf" srcId="{F2A35F5C-D629-F34B-9050-C981ECCC71F9}" destId="{824A1AAF-8292-0A4A-9F7B-528301D7115E}" srcOrd="6" destOrd="0" presId="urn:microsoft.com/office/officeart/2008/layout/LinedList"/>
     <dgm:cxn modelId="{6E97D064-6C14-5D4D-9E72-A2315468252B}" type="presParOf" srcId="{F2A35F5C-D629-F34B-9050-C981ECCC71F9}" destId="{15A9A34C-29CB-C945-8F4F-EB52E24E2808}" srcOrd="7" destOrd="0" presId="urn:microsoft.com/office/officeart/2008/layout/LinedList"/>
     <dgm:cxn modelId="{4F4A85AD-3E2C-2241-A740-D1831C104D76}" type="presParOf" srcId="{15A9A34C-29CB-C945-8F4F-EB52E24E2808}" destId="{F7C01D9E-702D-784C-BC9B-FD396316A8F6}" srcOrd="0" destOrd="0" presId="urn:microsoft.com/office/officeart/2008/layout/LinedList"/>
@@ -2253,8 +2331,8 @@
       </dsp:nvSpPr>
       <dsp:spPr>
         <a:xfrm>
-          <a:off x="0" y="1848"/>
-          <a:ext cx="6586489" cy="0"/>
+          <a:off x="0" y="2298"/>
+          <a:ext cx="7287909" cy="0"/>
         </a:xfrm>
         <a:prstGeom prst="line">
           <a:avLst/>
@@ -2333,8 +2411,8 @@
       </dsp:nvSpPr>
       <dsp:spPr>
         <a:xfrm>
-          <a:off x="0" y="1848"/>
-          <a:ext cx="6586489" cy="630287"/>
+          <a:off x="0" y="2298"/>
+          <a:ext cx="4362207" cy="783741"/>
         </a:xfrm>
         <a:prstGeom prst="rect">
           <a:avLst/>
@@ -2358,12 +2436,12 @@
         <a:fontRef idx="minor"/>
       </dsp:style>
       <dsp:txBody>
-        <a:bodyPr spcFirstLastPara="0" vert="horz" wrap="square" lIns="110490" tIns="110490" rIns="110490" bIns="110490" numCol="1" spcCol="1270" anchor="t" anchorCtr="0">
+        <a:bodyPr spcFirstLastPara="0" vert="horz" wrap="square" lIns="80010" tIns="80010" rIns="80010" bIns="80010" numCol="1" spcCol="1270" anchor="t" anchorCtr="0">
           <a:noAutofit/>
         </a:bodyPr>
         <a:lstStyle/>
         <a:p>
-          <a:pPr marL="0" lvl="0" indent="0" algn="l" defTabSz="1289050">
+          <a:pPr marL="0" lvl="0" indent="0" algn="l" defTabSz="933450">
             <a:lnSpc>
               <a:spcPct val="90000"/>
             </a:lnSpc>
@@ -2376,14 +2454,14 @@
             <a:buNone/>
           </a:pPr>
           <a:r>
-            <a:rPr lang="en-US" sz="2900" kern="1200"/>
+            <a:rPr lang="en-US" sz="2100" kern="1200"/>
             <a:t>Business Problem</a:t>
           </a:r>
         </a:p>
       </dsp:txBody>
       <dsp:txXfrm>
-        <a:off x="0" y="1848"/>
-        <a:ext cx="6586489" cy="630287"/>
+        <a:off x="0" y="2298"/>
+        <a:ext cx="4362207" cy="783741"/>
       </dsp:txXfrm>
     </dsp:sp>
     <dsp:sp modelId="{8B31FEDC-4082-0142-9CB1-F5361D07D5D7}">
@@ -2393,8 +2471,8 @@
       </dsp:nvSpPr>
       <dsp:spPr>
         <a:xfrm>
-          <a:off x="0" y="632135"/>
-          <a:ext cx="6586489" cy="0"/>
+          <a:off x="0" y="786039"/>
+          <a:ext cx="7287909" cy="0"/>
         </a:xfrm>
         <a:prstGeom prst="line">
           <a:avLst/>
@@ -2473,8 +2551,8 @@
       </dsp:nvSpPr>
       <dsp:spPr>
         <a:xfrm>
-          <a:off x="0" y="632135"/>
-          <a:ext cx="6586489" cy="630287"/>
+          <a:off x="0" y="786039"/>
+          <a:ext cx="1457581" cy="783741"/>
         </a:xfrm>
         <a:prstGeom prst="rect">
           <a:avLst/>
@@ -2498,12 +2576,12 @@
         <a:fontRef idx="minor"/>
       </dsp:style>
       <dsp:txBody>
-        <a:bodyPr spcFirstLastPara="0" vert="horz" wrap="square" lIns="110490" tIns="110490" rIns="110490" bIns="110490" numCol="1" spcCol="1270" anchor="t" anchorCtr="0">
+        <a:bodyPr spcFirstLastPara="0" vert="horz" wrap="square" lIns="80010" tIns="80010" rIns="80010" bIns="80010" numCol="1" spcCol="1270" anchor="t" anchorCtr="0">
           <a:noAutofit/>
         </a:bodyPr>
         <a:lstStyle/>
         <a:p>
-          <a:pPr marL="0" lvl="0" indent="0" algn="l" defTabSz="1289050">
+          <a:pPr marL="0" lvl="0" indent="0" algn="l" defTabSz="933450">
             <a:lnSpc>
               <a:spcPct val="90000"/>
             </a:lnSpc>
@@ -2516,14 +2594,14 @@
             <a:buNone/>
           </a:pPr>
           <a:r>
-            <a:rPr lang="en-US" sz="2900" kern="1200"/>
+            <a:rPr lang="en-US" sz="2100" kern="1200" dirty="0"/>
             <a:t>Summary</a:t>
           </a:r>
         </a:p>
       </dsp:txBody>
       <dsp:txXfrm>
-        <a:off x="0" y="632135"/>
-        <a:ext cx="6586489" cy="630287"/>
+        <a:off x="0" y="786039"/>
+        <a:ext cx="1457581" cy="783741"/>
       </dsp:txXfrm>
     </dsp:sp>
     <dsp:sp modelId="{C1FA4561-627C-5D49-90C8-26D13B7D68C7}">
@@ -2533,8 +2611,8 @@
       </dsp:nvSpPr>
       <dsp:spPr>
         <a:xfrm>
-          <a:off x="0" y="1262422"/>
-          <a:ext cx="6586489" cy="0"/>
+          <a:off x="0" y="1569781"/>
+          <a:ext cx="7287909" cy="0"/>
         </a:xfrm>
         <a:prstGeom prst="line">
           <a:avLst/>
@@ -2613,8 +2691,8 @@
       </dsp:nvSpPr>
       <dsp:spPr>
         <a:xfrm>
-          <a:off x="0" y="1262422"/>
-          <a:ext cx="6586489" cy="630287"/>
+          <a:off x="0" y="1569781"/>
+          <a:ext cx="1457581" cy="783741"/>
         </a:xfrm>
         <a:prstGeom prst="rect">
           <a:avLst/>
@@ -2638,12 +2716,12 @@
         <a:fontRef idx="minor"/>
       </dsp:style>
       <dsp:txBody>
-        <a:bodyPr spcFirstLastPara="0" vert="horz" wrap="square" lIns="110490" tIns="110490" rIns="110490" bIns="110490" numCol="1" spcCol="1270" anchor="t" anchorCtr="0">
+        <a:bodyPr spcFirstLastPara="0" vert="horz" wrap="square" lIns="80010" tIns="80010" rIns="80010" bIns="80010" numCol="1" spcCol="1270" anchor="t" anchorCtr="0">
           <a:noAutofit/>
         </a:bodyPr>
         <a:lstStyle/>
         <a:p>
-          <a:pPr marL="0" lvl="0" indent="0" algn="l" defTabSz="1289050">
+          <a:pPr marL="0" lvl="0" indent="0" algn="l" defTabSz="933450">
             <a:lnSpc>
               <a:spcPct val="90000"/>
             </a:lnSpc>
@@ -2656,15 +2734,124 @@
             <a:buNone/>
           </a:pPr>
           <a:r>
-            <a:rPr lang="en-US" sz="2900" kern="1200"/>
-            <a:t>Data</a:t>
+            <a:rPr lang="en-US" sz="2100" kern="1200" dirty="0"/>
+            <a:t>Data -</a:t>
           </a:r>
         </a:p>
       </dsp:txBody>
       <dsp:txXfrm>
-        <a:off x="0" y="1262422"/>
-        <a:ext cx="6586489" cy="630287"/>
+        <a:off x="0" y="1569781"/>
+        <a:ext cx="1457581" cy="783741"/>
       </dsp:txXfrm>
+    </dsp:sp>
+    <dsp:sp modelId="{55D36442-7AC8-8D44-B48B-679FE33B1E41}">
+      <dsp:nvSpPr>
+        <dsp:cNvPr id="0" name=""/>
+        <dsp:cNvSpPr/>
+      </dsp:nvSpPr>
+      <dsp:spPr>
+        <a:xfrm>
+          <a:off x="1566900" y="1605370"/>
+          <a:ext cx="5721008" cy="711796"/>
+        </a:xfrm>
+        <a:prstGeom prst="rect">
+          <a:avLst/>
+        </a:prstGeom>
+        <a:noFill/>
+        <a:ln>
+          <a:noFill/>
+        </a:ln>
+        <a:effectLst/>
+      </dsp:spPr>
+      <dsp:style>
+        <a:lnRef idx="0">
+          <a:scrgbClr r="0" g="0" b="0"/>
+        </a:lnRef>
+        <a:fillRef idx="0">
+          <a:scrgbClr r="0" g="0" b="0"/>
+        </a:fillRef>
+        <a:effectRef idx="0">
+          <a:scrgbClr r="0" g="0" b="0"/>
+        </a:effectRef>
+        <a:fontRef idx="minor"/>
+      </dsp:style>
+      <dsp:txBody>
+        <a:bodyPr spcFirstLastPara="0" vert="horz" wrap="square" lIns="76200" tIns="76200" rIns="76200" bIns="76200" numCol="1" spcCol="1270" anchor="t" anchorCtr="0">
+          <a:noAutofit/>
+        </a:bodyPr>
+        <a:lstStyle/>
+        <a:p>
+          <a:pPr marL="0" lvl="0" indent="0" algn="l" defTabSz="889000">
+            <a:lnSpc>
+              <a:spcPct val="90000"/>
+            </a:lnSpc>
+            <a:spcBef>
+              <a:spcPct val="0"/>
+            </a:spcBef>
+            <a:spcAft>
+              <a:spcPct val="35000"/>
+            </a:spcAft>
+            <a:buNone/>
+          </a:pPr>
+          <a:r>
+            <a:rPr lang="en-US" sz="2000" kern="1200" dirty="0"/>
+            <a:t>Overview, Manipulation, Feature Selection, Feature Importance</a:t>
+          </a:r>
+        </a:p>
+      </dsp:txBody>
+      <dsp:txXfrm>
+        <a:off x="1566900" y="1605370"/>
+        <a:ext cx="5721008" cy="711796"/>
+      </dsp:txXfrm>
+    </dsp:sp>
+    <dsp:sp modelId="{E5327564-D037-5D43-9EEC-15705A105BB1}">
+      <dsp:nvSpPr>
+        <dsp:cNvPr id="0" name=""/>
+        <dsp:cNvSpPr/>
+      </dsp:nvSpPr>
+      <dsp:spPr>
+        <a:xfrm>
+          <a:off x="1457581" y="2317167"/>
+          <a:ext cx="5830327" cy="0"/>
+        </a:xfrm>
+        <a:prstGeom prst="line">
+          <a:avLst/>
+        </a:prstGeom>
+        <a:solidFill>
+          <a:schemeClr val="accent2">
+            <a:hueOff val="0"/>
+            <a:satOff val="0"/>
+            <a:lumOff val="0"/>
+            <a:alphaOff val="0"/>
+          </a:schemeClr>
+        </a:solidFill>
+        <a:ln w="12700" cap="flat" cmpd="sng" algn="ctr">
+          <a:solidFill>
+            <a:schemeClr val="accent2">
+              <a:tint val="50000"/>
+              <a:hueOff val="0"/>
+              <a:satOff val="0"/>
+              <a:lumOff val="0"/>
+              <a:alphaOff val="0"/>
+            </a:schemeClr>
+          </a:solidFill>
+          <a:prstDash val="solid"/>
+          <a:miter lim="800000"/>
+        </a:ln>
+        <a:effectLst/>
+      </dsp:spPr>
+      <dsp:style>
+        <a:lnRef idx="2">
+          <a:scrgbClr r="0" g="0" b="0"/>
+        </a:lnRef>
+        <a:fillRef idx="1">
+          <a:scrgbClr r="0" g="0" b="0"/>
+        </a:fillRef>
+        <a:effectRef idx="1">
+          <a:scrgbClr r="0" g="0" b="0"/>
+        </a:effectRef>
+        <a:fontRef idx="minor"/>
+      </dsp:style>
     </dsp:sp>
     <dsp:sp modelId="{824A1AAF-8292-0A4A-9F7B-528301D7115E}">
       <dsp:nvSpPr>
@@ -2673,8 +2860,8 @@
       </dsp:nvSpPr>
       <dsp:spPr>
         <a:xfrm>
-          <a:off x="0" y="1892709"/>
-          <a:ext cx="6586489" cy="0"/>
+          <a:off x="0" y="2353522"/>
+          <a:ext cx="7287909" cy="0"/>
         </a:xfrm>
         <a:prstGeom prst="line">
           <a:avLst/>
@@ -2753,8 +2940,8 @@
       </dsp:nvSpPr>
       <dsp:spPr>
         <a:xfrm>
-          <a:off x="0" y="1892709"/>
-          <a:ext cx="6586489" cy="630287"/>
+          <a:off x="0" y="2353522"/>
+          <a:ext cx="1457581" cy="783741"/>
         </a:xfrm>
         <a:prstGeom prst="rect">
           <a:avLst/>
@@ -2778,12 +2965,12 @@
         <a:fontRef idx="minor"/>
       </dsp:style>
       <dsp:txBody>
-        <a:bodyPr spcFirstLastPara="0" vert="horz" wrap="square" lIns="110490" tIns="110490" rIns="110490" bIns="110490" numCol="1" spcCol="1270" anchor="t" anchorCtr="0">
+        <a:bodyPr spcFirstLastPara="0" vert="horz" wrap="square" lIns="80010" tIns="80010" rIns="80010" bIns="80010" numCol="1" spcCol="1270" anchor="t" anchorCtr="0">
           <a:noAutofit/>
         </a:bodyPr>
         <a:lstStyle/>
         <a:p>
-          <a:pPr marL="0" lvl="0" indent="0" algn="l" defTabSz="1289050">
+          <a:pPr marL="0" lvl="0" indent="0" algn="l" defTabSz="933450">
             <a:lnSpc>
               <a:spcPct val="90000"/>
             </a:lnSpc>
@@ -2796,14 +2983,14 @@
             <a:buNone/>
           </a:pPr>
           <a:r>
-            <a:rPr lang="en-US" sz="2900" kern="1200"/>
+            <a:rPr lang="en-US" sz="2100" kern="1200"/>
             <a:t>Methods</a:t>
           </a:r>
         </a:p>
       </dsp:txBody>
       <dsp:txXfrm>
-        <a:off x="0" y="1892709"/>
-        <a:ext cx="6586489" cy="630287"/>
+        <a:off x="0" y="2353522"/>
+        <a:ext cx="1457581" cy="783741"/>
       </dsp:txXfrm>
     </dsp:sp>
     <dsp:sp modelId="{41002695-AAAE-7E44-A434-A551B3CF5E22}">
@@ -2813,8 +3000,8 @@
       </dsp:nvSpPr>
       <dsp:spPr>
         <a:xfrm>
-          <a:off x="0" y="2522996"/>
-          <a:ext cx="6586489" cy="0"/>
+          <a:off x="0" y="3137263"/>
+          <a:ext cx="7287909" cy="0"/>
         </a:xfrm>
         <a:prstGeom prst="line">
           <a:avLst/>
@@ -2893,8 +3080,8 @@
       </dsp:nvSpPr>
       <dsp:spPr>
         <a:xfrm>
-          <a:off x="0" y="2522996"/>
-          <a:ext cx="6586489" cy="630287"/>
+          <a:off x="0" y="3137263"/>
+          <a:ext cx="1457581" cy="783741"/>
         </a:xfrm>
         <a:prstGeom prst="rect">
           <a:avLst/>
@@ -2918,12 +3105,12 @@
         <a:fontRef idx="minor"/>
       </dsp:style>
       <dsp:txBody>
-        <a:bodyPr spcFirstLastPara="0" vert="horz" wrap="square" lIns="110490" tIns="110490" rIns="110490" bIns="110490" numCol="1" spcCol="1270" anchor="t" anchorCtr="0">
+        <a:bodyPr spcFirstLastPara="0" vert="horz" wrap="square" lIns="80010" tIns="80010" rIns="80010" bIns="80010" numCol="1" spcCol="1270" anchor="t" anchorCtr="0">
           <a:noAutofit/>
         </a:bodyPr>
         <a:lstStyle/>
         <a:p>
-          <a:pPr marL="0" lvl="0" indent="0" algn="l" defTabSz="1289050">
+          <a:pPr marL="0" lvl="0" indent="0" algn="l" defTabSz="933450">
             <a:lnSpc>
               <a:spcPct val="90000"/>
             </a:lnSpc>
@@ -2936,14 +3123,14 @@
             <a:buNone/>
           </a:pPr>
           <a:r>
-            <a:rPr lang="en-US" sz="2900" kern="1200"/>
+            <a:rPr lang="en-US" sz="2100" kern="1200"/>
             <a:t>Results</a:t>
           </a:r>
         </a:p>
       </dsp:txBody>
       <dsp:txXfrm>
-        <a:off x="0" y="2522996"/>
-        <a:ext cx="6586489" cy="630287"/>
+        <a:off x="0" y="3137263"/>
+        <a:ext cx="1457581" cy="783741"/>
       </dsp:txXfrm>
     </dsp:sp>
     <dsp:sp modelId="{1EC6FC90-DCEE-8346-BA34-A1BE099C3143}">
@@ -2953,8 +3140,8 @@
       </dsp:nvSpPr>
       <dsp:spPr>
         <a:xfrm>
-          <a:off x="0" y="3153283"/>
-          <a:ext cx="6586489" cy="0"/>
+          <a:off x="0" y="3921005"/>
+          <a:ext cx="7287909" cy="0"/>
         </a:xfrm>
         <a:prstGeom prst="line">
           <a:avLst/>
@@ -3033,8 +3220,8 @@
       </dsp:nvSpPr>
       <dsp:spPr>
         <a:xfrm>
-          <a:off x="0" y="3153283"/>
-          <a:ext cx="6586489" cy="630287"/>
+          <a:off x="0" y="3921005"/>
+          <a:ext cx="1457581" cy="783741"/>
         </a:xfrm>
         <a:prstGeom prst="rect">
           <a:avLst/>
@@ -3058,12 +3245,12 @@
         <a:fontRef idx="minor"/>
       </dsp:style>
       <dsp:txBody>
-        <a:bodyPr spcFirstLastPara="0" vert="horz" wrap="square" lIns="110490" tIns="110490" rIns="110490" bIns="110490" numCol="1" spcCol="1270" anchor="t" anchorCtr="0">
+        <a:bodyPr spcFirstLastPara="0" vert="horz" wrap="square" lIns="80010" tIns="80010" rIns="80010" bIns="80010" numCol="1" spcCol="1270" anchor="t" anchorCtr="0">
           <a:noAutofit/>
         </a:bodyPr>
         <a:lstStyle/>
         <a:p>
-          <a:pPr marL="0" lvl="0" indent="0" algn="l" defTabSz="1289050">
+          <a:pPr marL="0" lvl="0" indent="0" algn="l" defTabSz="933450">
             <a:lnSpc>
               <a:spcPct val="90000"/>
             </a:lnSpc>
@@ -3076,14 +3263,14 @@
             <a:buNone/>
           </a:pPr>
           <a:r>
-            <a:rPr lang="en-US" sz="2900" kern="1200"/>
+            <a:rPr lang="en-US" sz="2100" kern="1200"/>
             <a:t>Conclusions</a:t>
           </a:r>
         </a:p>
       </dsp:txBody>
       <dsp:txXfrm>
-        <a:off x="0" y="3153283"/>
-        <a:ext cx="6586489" cy="630287"/>
+        <a:off x="0" y="3921005"/>
+        <a:ext cx="1457581" cy="783741"/>
       </dsp:txXfrm>
     </dsp:sp>
   </dsp:spTree>
@@ -6204,7 +6391,7 @@
           <a:p>
             <a:fld id="{50B6D2F0-DF5D-C042-B7C3-4CBBD10D76E7}" type="datetimeFigureOut">
               <a:rPr lang="en-US" smtClean="0"/>
-              <a:t>3/28/22</a:t>
+              <a:t>3/29/22</a:t>
             </a:fld>
             <a:endParaRPr lang="en-US"/>
           </a:p>
@@ -6702,7 +6889,7 @@
           <a:p>
             <a:fld id="{BD77A498-60B4-6849-BEB1-85EE550E355C}" type="datetimeFigureOut">
               <a:rPr lang="en-US" smtClean="0"/>
-              <a:t>3/28/22</a:t>
+              <a:t>3/29/22</a:t>
             </a:fld>
             <a:endParaRPr lang="en-US"/>
           </a:p>
@@ -6900,7 +7087,7 @@
           <a:p>
             <a:fld id="{BD77A498-60B4-6849-BEB1-85EE550E355C}" type="datetimeFigureOut">
               <a:rPr lang="en-US" smtClean="0"/>
-              <a:t>3/28/22</a:t>
+              <a:t>3/29/22</a:t>
             </a:fld>
             <a:endParaRPr lang="en-US"/>
           </a:p>
@@ -7108,7 +7295,7 @@
           <a:p>
             <a:fld id="{BD77A498-60B4-6849-BEB1-85EE550E355C}" type="datetimeFigureOut">
               <a:rPr lang="en-US" smtClean="0"/>
-              <a:t>3/28/22</a:t>
+              <a:t>3/29/22</a:t>
             </a:fld>
             <a:endParaRPr lang="en-US"/>
           </a:p>
@@ -7306,7 +7493,7 @@
           <a:p>
             <a:fld id="{BD77A498-60B4-6849-BEB1-85EE550E355C}" type="datetimeFigureOut">
               <a:rPr lang="en-US" smtClean="0"/>
-              <a:t>3/28/22</a:t>
+              <a:t>3/29/22</a:t>
             </a:fld>
             <a:endParaRPr lang="en-US"/>
           </a:p>
@@ -7581,7 +7768,7 @@
           <a:p>
             <a:fld id="{BD77A498-60B4-6849-BEB1-85EE550E355C}" type="datetimeFigureOut">
               <a:rPr lang="en-US" smtClean="0"/>
-              <a:t>3/28/22</a:t>
+              <a:t>3/29/22</a:t>
             </a:fld>
             <a:endParaRPr lang="en-US"/>
           </a:p>
@@ -7846,7 +8033,7 @@
           <a:p>
             <a:fld id="{BD77A498-60B4-6849-BEB1-85EE550E355C}" type="datetimeFigureOut">
               <a:rPr lang="en-US" smtClean="0"/>
-              <a:t>3/28/22</a:t>
+              <a:t>3/29/22</a:t>
             </a:fld>
             <a:endParaRPr lang="en-US"/>
           </a:p>
@@ -8258,7 +8445,7 @@
           <a:p>
             <a:fld id="{BD77A498-60B4-6849-BEB1-85EE550E355C}" type="datetimeFigureOut">
               <a:rPr lang="en-US" smtClean="0"/>
-              <a:t>3/28/22</a:t>
+              <a:t>3/29/22</a:t>
             </a:fld>
             <a:endParaRPr lang="en-US"/>
           </a:p>
@@ -8399,7 +8586,7 @@
           <a:p>
             <a:fld id="{BD77A498-60B4-6849-BEB1-85EE550E355C}" type="datetimeFigureOut">
               <a:rPr lang="en-US" smtClean="0"/>
-              <a:t>3/28/22</a:t>
+              <a:t>3/29/22</a:t>
             </a:fld>
             <a:endParaRPr lang="en-US"/>
           </a:p>
@@ -8512,7 +8699,7 @@
           <a:p>
             <a:fld id="{BD77A498-60B4-6849-BEB1-85EE550E355C}" type="datetimeFigureOut">
               <a:rPr lang="en-US" smtClean="0"/>
-              <a:t>3/28/22</a:t>
+              <a:t>3/29/22</a:t>
             </a:fld>
             <a:endParaRPr lang="en-US"/>
           </a:p>
@@ -8823,7 +9010,7 @@
           <a:p>
             <a:fld id="{BD77A498-60B4-6849-BEB1-85EE550E355C}" type="datetimeFigureOut">
               <a:rPr lang="en-US" smtClean="0"/>
-              <a:t>3/28/22</a:t>
+              <a:t>3/29/22</a:t>
             </a:fld>
             <a:endParaRPr lang="en-US"/>
           </a:p>
@@ -9111,7 +9298,7 @@
           <a:p>
             <a:fld id="{BD77A498-60B4-6849-BEB1-85EE550E355C}" type="datetimeFigureOut">
               <a:rPr lang="en-US" smtClean="0"/>
-              <a:t>3/28/22</a:t>
+              <a:t>3/29/22</a:t>
             </a:fld>
             <a:endParaRPr lang="en-US"/>
           </a:p>
@@ -9352,7 +9539,7 @@
           <a:p>
             <a:fld id="{BD77A498-60B4-6849-BEB1-85EE550E355C}" type="datetimeFigureOut">
               <a:rPr lang="en-US" smtClean="0"/>
-              <a:t>3/28/22</a:t>
+              <a:t>3/29/22</a:t>
             </a:fld>
             <a:endParaRPr lang="en-US"/>
           </a:p>
@@ -10207,7 +10394,7 @@
           <a:lstStyle/>
           <a:p>
             <a:r>
-              <a:rPr lang="en-US" dirty="0"/>
+              <a:rPr lang="en-US" b="1" dirty="0"/>
               <a:t>Methods</a:t>
             </a:r>
           </a:p>
@@ -10231,13 +10418,13 @@
         </p:nvSpPr>
         <p:spPr>
           <a:xfrm>
-            <a:off x="713059" y="1816443"/>
-            <a:ext cx="7986098" cy="4504913"/>
+            <a:off x="713058" y="1544727"/>
+            <a:ext cx="8486359" cy="4776630"/>
           </a:xfrm>
         </p:spPr>
         <p:txBody>
           <a:bodyPr>
-            <a:normAutofit fontScale="92500" lnSpcReduction="20000"/>
+            <a:normAutofit/>
           </a:bodyPr>
           <a:lstStyle/>
           <a:p>
@@ -10264,7 +10451,7 @@
             <a:pPr lvl="2"/>
             <a:r>
               <a:rPr lang="en-US" dirty="0"/>
-              <a:t>Gradient Boost</a:t>
+              <a:t>Gradient Boost </a:t>
             </a:r>
           </a:p>
           <a:p>
@@ -10275,55 +10462,6 @@
             </a:r>
           </a:p>
           <a:p>
-            <a:pPr lvl="1"/>
-            <a:r>
-              <a:rPr lang="en-US" dirty="0"/>
-              <a:t>Alternative Models:</a:t>
-            </a:r>
-          </a:p>
-          <a:p>
-            <a:pPr lvl="2"/>
-            <a:r>
-              <a:rPr lang="en-US" dirty="0"/>
-              <a:t>Linear Regression</a:t>
-            </a:r>
-          </a:p>
-          <a:p>
-            <a:pPr lvl="2"/>
-            <a:r>
-              <a:rPr lang="en-US" dirty="0"/>
-              <a:t>K-Nearest Neighbors</a:t>
-            </a:r>
-          </a:p>
-          <a:p>
-            <a:pPr lvl="2"/>
-            <a:r>
-              <a:rPr lang="en-US" dirty="0"/>
-              <a:t>Decision Trees</a:t>
-            </a:r>
-          </a:p>
-          <a:p>
-            <a:pPr lvl="2"/>
-            <a:r>
-              <a:rPr lang="en-US" dirty="0"/>
-              <a:t>Bagged Trees</a:t>
-            </a:r>
-          </a:p>
-          <a:p>
-            <a:pPr lvl="2"/>
-            <a:r>
-              <a:rPr lang="en-US" dirty="0"/>
-              <a:t>Boosted Trees</a:t>
-            </a:r>
-          </a:p>
-          <a:p>
-            <a:pPr lvl="2"/>
-            <a:r>
-              <a:rPr lang="en-US" dirty="0"/>
-              <a:t>XG Boost</a:t>
-            </a:r>
-          </a:p>
-          <a:p>
             <a:r>
               <a:rPr lang="en-US" sz="2400" dirty="0"/>
               <a:t>Optimize for Loan Approval, or True Positive Rate</a:t>
@@ -10334,6 +10472,13 @@
             <a:r>
               <a:rPr lang="en-US" sz="2000" dirty="0"/>
               <a:t>Value high True Negative Rate, as well.</a:t>
+            </a:r>
+          </a:p>
+          <a:p>
+            <a:pPr lvl="1"/>
+            <a:r>
+              <a:rPr lang="en-US" sz="2000" dirty="0"/>
+              <a:t>Best scores for True Positive Rate valued because that means the model will have a high likelihood of flagging a</a:t>
             </a:r>
           </a:p>
           <a:p>
@@ -10399,7 +10544,7 @@
           <a:lstStyle/>
           <a:p>
             <a:r>
-              <a:rPr lang="en-US" dirty="0"/>
+              <a:rPr lang="en-US" b="1" dirty="0"/>
               <a:t>Final Model Methods</a:t>
             </a:r>
           </a:p>
@@ -10480,7 +10625,14 @@
             <a:pPr lvl="2"/>
             <a:r>
               <a:rPr lang="en-US" dirty="0"/>
-              <a:t>This is called an ensemble model.</a:t>
+              <a:t>This is called an ensemble model and optimizes the best parts of each model.</a:t>
+            </a:r>
+          </a:p>
+          <a:p>
+            <a:pPr lvl="2"/>
+            <a:r>
+              <a:rPr lang="en-US" dirty="0"/>
+              <a:t>2x heavier weight was applied to the top Random Forest model for True Positive Rate</a:t>
             </a:r>
           </a:p>
         </p:txBody>
@@ -10544,7 +10696,7 @@
           <a:lstStyle/>
           <a:p>
             <a:r>
-              <a:rPr lang="en-US" dirty="0"/>
+              <a:rPr lang="en-US" b="1" dirty="0"/>
               <a:t>Results of Best Model</a:t>
             </a:r>
           </a:p>
@@ -10587,7 +10739,7 @@
             <a:pPr lvl="1"/>
             <a:r>
               <a:rPr lang="en-US" dirty="0"/>
-              <a:t>84/100 applications that the model flagged for approval, were approved.</a:t>
+              <a:t>84/100 applications that were approved, were flagged for approval by model</a:t>
             </a:r>
           </a:p>
           <a:p>
@@ -10611,7 +10763,7 @@
             <a:pPr lvl="1"/>
             <a:r>
               <a:rPr lang="en-US" dirty="0"/>
-              <a:t>If an application is recommended to be seen by a person, there is an 84% chance it will be approved.</a:t>
+              <a:t>84% of applications that are approved, will be recommended for viewing by a person.</a:t>
             </a:r>
           </a:p>
           <a:p>
@@ -10727,14 +10879,14 @@
             <a:pPr lvl="1"/>
             <a:r>
               <a:rPr lang="en-US" dirty="0"/>
-              <a:t>84% likely that loan application a person reads will be approved</a:t>
+              <a:t>84% likely that approved loans will be recommended for review by a person</a:t>
             </a:r>
           </a:p>
           <a:p>
             <a:pPr lvl="2"/>
             <a:r>
               <a:rPr lang="en-US" dirty="0"/>
-              <a:t>Makes loan officer’s job simpler.</a:t>
+              <a:t>Makes loan officer’s job simpler and faster.</a:t>
             </a:r>
           </a:p>
           <a:p>
@@ -10866,7 +11018,71 @@
           </a:bodyPr>
           <a:lstStyle/>
           <a:p>
-            <a:endParaRPr lang="en-US" dirty="0"/>
+            <a:r>
+              <a:rPr lang="en-US" dirty="0"/>
+              <a:t>Gather data on more relevant features</a:t>
+            </a:r>
+          </a:p>
+          <a:p>
+            <a:pPr lvl="1"/>
+            <a:r>
+              <a:rPr lang="en-US" dirty="0"/>
+              <a:t>Credit Score </a:t>
+            </a:r>
+          </a:p>
+          <a:p>
+            <a:pPr lvl="1"/>
+            <a:r>
+              <a:rPr lang="en-US" dirty="0"/>
+              <a:t>Cash and Invested Savings</a:t>
+            </a:r>
+          </a:p>
+          <a:p>
+            <a:pPr lvl="1"/>
+            <a:r>
+              <a:rPr lang="en-US" dirty="0"/>
+              <a:t>Retirement Savings</a:t>
+            </a:r>
+          </a:p>
+          <a:p>
+            <a:pPr lvl="1"/>
+            <a:r>
+              <a:rPr lang="en-US" dirty="0"/>
+              <a:t>Debt to Income Ratio</a:t>
+            </a:r>
+          </a:p>
+          <a:p>
+            <a:r>
+              <a:rPr lang="en-US" dirty="0"/>
+              <a:t>Test model on other samples of market data</a:t>
+            </a:r>
+          </a:p>
+          <a:p>
+            <a:pPr lvl="1"/>
+            <a:r>
+              <a:rPr lang="en-US" dirty="0"/>
+              <a:t>Iterate and improve model for these samples or market segments</a:t>
+            </a:r>
+          </a:p>
+          <a:p>
+            <a:r>
+              <a:rPr lang="en-US" dirty="0"/>
+              <a:t>Improve pipeline for loans by developing digital questionnaire</a:t>
+            </a:r>
+          </a:p>
+          <a:p>
+            <a:pPr lvl="1"/>
+            <a:r>
+              <a:rPr lang="en-US" dirty="0"/>
+              <a:t>Attain data inexpensively – directly from consumer</a:t>
+            </a:r>
+          </a:p>
+          <a:p>
+            <a:pPr lvl="1"/>
+            <a:r>
+              <a:rPr lang="en-US" dirty="0"/>
+              <a:t>Tailor questions to garner data from most relevant features</a:t>
+            </a:r>
           </a:p>
         </p:txBody>
       </p:sp>
@@ -10929,9 +11145,10 @@
           <a:lstStyle/>
           <a:p>
             <a:r>
-              <a:rPr lang="en-US"/>
+              <a:rPr lang="en-US" sz="6600" dirty="0"/>
               <a:t>Outline</a:t>
             </a:r>
+            <a:endParaRPr lang="en-US" sz="5400" dirty="0"/>
           </a:p>
         </p:txBody>
       </p:sp>
@@ -10979,11 +11196,16 @@
           </p:cNvGraphicFramePr>
           <p:nvPr>
             <p:ph idx="1"/>
+            <p:extLst>
+              <p:ext uri="{D42A27DB-BD31-4B8C-83A1-F6EECF244321}">
+                <p14:modId xmlns:p14="http://schemas.microsoft.com/office/powerpoint/2010/main" val="3059706302"/>
+              </p:ext>
+            </p:extLst>
           </p:nvPr>
         </p:nvGraphicFramePr>
         <p:xfrm>
-          <a:off x="4965431" y="2438400"/>
-          <a:ext cx="6586489" cy="3785419"/>
+          <a:off x="4904071" y="1915428"/>
+          <a:ext cx="7287909" cy="4707045"/>
         </p:xfrm>
         <a:graphic>
           <a:graphicData uri="http://schemas.openxmlformats.org/drawingml/2006/diagram">
@@ -10991,6 +11213,36 @@
           </a:graphicData>
         </a:graphic>
       </p:graphicFrame>
+      <p:pic>
+        <p:nvPicPr>
+          <p:cNvPr id="7" name="Picture 6" descr="A stop sign with graffiti&#10;&#10;Description automatically generated with low confidence">
+            <a:extLst>
+              <a:ext uri="{FF2B5EF4-FFF2-40B4-BE49-F238E27FC236}">
+                <a16:creationId xmlns:a16="http://schemas.microsoft.com/office/drawing/2014/main" id="{24523AEF-0274-744B-920B-C59C67DA9B2E}"/>
+              </a:ext>
+            </a:extLst>
+          </p:cNvPr>
+          <p:cNvPicPr>
+            <a:picLocks noChangeAspect="1"/>
+          </p:cNvPicPr>
+          <p:nvPr/>
+        </p:nvPicPr>
+        <p:blipFill>
+          <a:blip r:embed="rId8"/>
+          <a:stretch>
+            <a:fillRect/>
+          </a:stretch>
+        </p:blipFill>
+        <p:spPr>
+          <a:xfrm>
+            <a:off x="0" y="0"/>
+            <a:ext cx="4574232" cy="6858000"/>
+          </a:xfrm>
+          <a:prstGeom prst="rect">
+            <a:avLst/>
+          </a:prstGeom>
+        </p:spPr>
+      </p:pic>
     </p:spTree>
     <p:extLst>
       <p:ext uri="{BB962C8B-B14F-4D97-AF65-F5344CB8AC3E}">
@@ -11417,13 +11669,13 @@
         </p:spPr>
         <p:txBody>
           <a:bodyPr>
-            <a:normAutofit/>
+            <a:normAutofit fontScale="90000"/>
           </a:bodyPr>
           <a:lstStyle/>
           <a:p>
             <a:r>
-              <a:rPr lang="en-US" sz="3600" b="1" dirty="0"/>
-              <a:t>Data</a:t>
+              <a:rPr lang="en-US" sz="4900" b="1" dirty="0"/>
+              <a:t>Data - Overview</a:t>
             </a:r>
             <a:br>
               <a:rPr lang="en-US" sz="3600" dirty="0"/>
@@ -12008,7 +12260,29 @@
             </a:pPr>
             <a:r>
               <a:rPr lang="en-US" dirty="0"/>
-              <a:t>Replaced missing numerical and categorical data with mean and mode, respectively.</a:t>
+              <a:t>Class Imbalance Issues:</a:t>
+            </a:r>
+          </a:p>
+          <a:p>
+            <a:pPr lvl="1">
+              <a:spcAft>
+                <a:spcPts val="600"/>
+              </a:spcAft>
+            </a:pPr>
+            <a:r>
+              <a:rPr lang="en-US" dirty="0"/>
+              <a:t>Improve balance of Approval/Refusal ratio</a:t>
+            </a:r>
+          </a:p>
+          <a:p>
+            <a:pPr lvl="1">
+              <a:spcAft>
+                <a:spcPts val="600"/>
+              </a:spcAft>
+            </a:pPr>
+            <a:r>
+              <a:rPr lang="en-US" dirty="0"/>
+              <a:t>Used under-sampling and over-sampling techniques to improve balance</a:t>
             </a:r>
           </a:p>
           <a:p>
@@ -12019,8 +12293,28 @@
             </a:pPr>
             <a:r>
               <a:rPr lang="en-US" dirty="0"/>
+              <a:t>Replaced missing numerical and categorical data with mean and mode, respectively.</a:t>
+            </a:r>
+          </a:p>
+          <a:p>
+            <a:pPr>
+              <a:spcAft>
+                <a:spcPts val="600"/>
+              </a:spcAft>
+            </a:pPr>
+            <a:r>
+              <a:rPr lang="en-US" dirty="0"/>
               <a:t>100 % of data from 39 features and 1 target feature used for model.</a:t>
             </a:r>
+          </a:p>
+          <a:p>
+            <a:pPr marL="0" indent="0">
+              <a:spcAft>
+                <a:spcPts val="600"/>
+              </a:spcAft>
+              <a:buNone/>
+            </a:pPr>
+            <a:endParaRPr lang="en-US" dirty="0"/>
           </a:p>
           <a:p>
             <a:pPr marL="0" indent="0">
@@ -12103,14 +12397,33 @@
             <p:ph type="title"/>
           </p:nvPr>
         </p:nvSpPr>
-        <p:spPr/>
+        <p:spPr>
+          <a:xfrm>
+            <a:off x="838200" y="365125"/>
+            <a:ext cx="10515600" cy="1460500"/>
+          </a:xfrm>
+        </p:spPr>
         <p:txBody>
-          <a:bodyPr/>
+          <a:bodyPr>
+            <a:normAutofit/>
+          </a:bodyPr>
           <a:lstStyle/>
           <a:p>
-            <a:r>
-              <a:rPr lang="en-US" dirty="0"/>
-              <a:t>Class Imbalance Issue</a:t>
+            <a:pPr>
+              <a:lnSpc>
+                <a:spcPct val="100000"/>
+              </a:lnSpc>
+            </a:pPr>
+            <a:r>
+              <a:rPr lang="en-US" b="1" dirty="0"/>
+              <a:t>Data Manipulation, continued</a:t>
+            </a:r>
+            <a:br>
+              <a:rPr lang="en-US" b="1" dirty="0"/>
+            </a:br>
+            <a:r>
+              <a:rPr lang="en-US" b="1" dirty="0"/>
+              <a:t>Improving Class Balance </a:t>
             </a:r>
           </a:p>
         </p:txBody>
@@ -12131,7 +12444,12 @@
             <p:ph idx="1"/>
           </p:nvPr>
         </p:nvSpPr>
-        <p:spPr/>
+        <p:spPr>
+          <a:xfrm>
+            <a:off x="838200" y="2122033"/>
+            <a:ext cx="10515600" cy="4351338"/>
+          </a:xfrm>
+        </p:spPr>
         <p:txBody>
           <a:bodyPr>
             <a:normAutofit lnSpcReduction="10000"/>
@@ -12359,7 +12677,7 @@
           <a:lstStyle/>
           <a:p>
             <a:r>
-              <a:rPr lang="en-US" sz="3600"/>
+              <a:rPr lang="en-US" sz="3600" b="1" dirty="0"/>
               <a:t>Feature Selection</a:t>
             </a:r>
           </a:p>
@@ -12892,7 +13210,7 @@
           <a:lstStyle/>
           <a:p>
             <a:r>
-              <a:rPr lang="en-US" sz="3600"/>
+              <a:rPr lang="en-US" sz="3600" b="1" dirty="0"/>
               <a:t>Feature Importance</a:t>
             </a:r>
           </a:p>

--- a/Loan_App.pptx
+++ b/Loan_App.pptx
@@ -10686,7 +10686,7 @@
         <p:spPr>
           <a:xfrm>
             <a:off x="999527" y="267677"/>
-            <a:ext cx="5541317" cy="1622321"/>
+            <a:ext cx="6576930" cy="1622321"/>
           </a:xfrm>
         </p:spPr>
         <p:txBody>
@@ -10697,7 +10697,14 @@
           <a:p>
             <a:r>
               <a:rPr lang="en-US" b="1" dirty="0"/>
-              <a:t>Results of Best Model</a:t>
+              <a:t>Results – </a:t>
+            </a:r>
+            <a:br>
+              <a:rPr lang="en-US" b="1" dirty="0"/>
+            </a:br>
+            <a:r>
+              <a:rPr lang="en-US" b="1" dirty="0"/>
+              <a:t>Ease of Approval Process</a:t>
             </a:r>
           </a:p>
         </p:txBody>
@@ -10732,46 +10739,52 @@
           <a:p>
             <a:r>
               <a:rPr lang="en-US" dirty="0"/>
-              <a:t>84% True Positive Rate</a:t>
+              <a:t>Model as a Screener:</a:t>
             </a:r>
           </a:p>
           <a:p>
             <a:pPr lvl="1"/>
             <a:r>
               <a:rPr lang="en-US" dirty="0"/>
-              <a:t>84/100 applications that were approved, were flagged for approval by model</a:t>
-            </a:r>
-          </a:p>
-          <a:p>
-            <a:pPr lvl="2"/>
+              <a:t>84% of applications that are approved, will be recommended for viewing by a person.</a:t>
+            </a:r>
+          </a:p>
+          <a:p>
+            <a:pPr lvl="1"/>
             <a:r>
               <a:rPr lang="en-US" dirty="0"/>
-              <a:t>Maintained a 40% True Negative Rate, which means many applications can be successfully filtered out.</a:t>
+              <a:t>31% of applications can be filtered out</a:t>
+            </a:r>
+          </a:p>
+          <a:p>
+            <a:pPr marL="457200" lvl="1" indent="0">
+              <a:buNone/>
+            </a:pPr>
+            <a:endParaRPr lang="en-US" dirty="0"/>
+          </a:p>
+          <a:p>
+            <a:r>
+              <a:rPr lang="en-US" dirty="0"/>
+              <a:t>Application Pool Improvements:</a:t>
+            </a:r>
+          </a:p>
+          <a:p>
+            <a:pPr lvl="1"/>
+            <a:r>
+              <a:rPr lang="en-US" dirty="0"/>
+              <a:t>46% of applications in filtered pool were approved.</a:t>
+            </a:r>
+          </a:p>
+          <a:p>
+            <a:pPr lvl="1"/>
+            <a:r>
+              <a:rPr lang="en-US" dirty="0"/>
+              <a:t>Unfiltered pool – only 8% of applications were approved</a:t>
             </a:r>
           </a:p>
           <a:p>
             <a:pPr lvl="1"/>
             <a:endParaRPr lang="en-US" dirty="0"/>
-          </a:p>
-          <a:p>
-            <a:r>
-              <a:rPr lang="en-US" dirty="0"/>
-              <a:t>Model as a Screener:</a:t>
-            </a:r>
-          </a:p>
-          <a:p>
-            <a:pPr lvl="1"/>
-            <a:r>
-              <a:rPr lang="en-US" dirty="0"/>
-              <a:t>84% of applications that are approved, will be recommended for viewing by a person.</a:t>
-            </a:r>
-          </a:p>
-          <a:p>
-            <a:pPr lvl="1"/>
-            <a:r>
-              <a:rPr lang="en-US" dirty="0"/>
-              <a:t>31% of applications can be filtered out, with an 84% chance that they would have been rejected.</a:t>
-            </a:r>
           </a:p>
           <a:p>
             <a:pPr lvl="1"/>
@@ -10834,7 +10847,7 @@
           <a:lstStyle/>
           <a:p>
             <a:r>
-              <a:rPr lang="en-US" dirty="0"/>
+              <a:rPr lang="en-US" b="1" dirty="0"/>
               <a:t>Conclusions</a:t>
             </a:r>
           </a:p>
@@ -10989,7 +11002,7 @@
           <a:lstStyle/>
           <a:p>
             <a:r>
-              <a:rPr lang="en-US" dirty="0"/>
+              <a:rPr lang="en-US" b="1" dirty="0"/>
               <a:t>Further Studies Recommended</a:t>
             </a:r>
           </a:p>
